--- a/二组展示.pptx
+++ b/二组展示.pptx
@@ -34988,7 +34988,7 @@
         <p:spPr>
           <a:xfrm>
             <a:off x="787400" y="2469291"/>
-            <a:ext cx="10322668" cy="3170099"/>
+            <a:ext cx="10322668" cy="2862322"/>
           </a:xfrm>
           <a:prstGeom prst="rect">
             <a:avLst/>
@@ -35057,13 +35057,6 @@
             </a:endParaRPr>
           </a:p>
           <a:p>
-            <a:r>
-              <a:rPr lang="zh-CN" altLang="en-US" sz="2000" dirty="0">
-                <a:latin typeface="微软雅黑" panose="020B0503020204020204" pitchFamily="34" charset="-122"/>
-                <a:ea typeface="微软雅黑" panose="020B0503020204020204" pitchFamily="34" charset="-122"/>
-              </a:rPr>
-              <a:t>（专业例子）</a:t>
-            </a:r>
             <a:endParaRPr lang="en-US" altLang="zh-CN" sz="2000" dirty="0">
               <a:latin typeface="微软雅黑" panose="020B0503020204020204" pitchFamily="34" charset="-122"/>
               <a:ea typeface="微软雅黑" panose="020B0503020204020204" pitchFamily="34" charset="-122"/>
@@ -35092,34 +35085,14 @@
             </a:endParaRPr>
           </a:p>
           <a:p>
-            <a:endParaRPr lang="en-US" altLang="zh-CN" sz="2000" dirty="0">
-              <a:latin typeface="微软雅黑" panose="020B0503020204020204" pitchFamily="34" charset="-122"/>
-              <a:ea typeface="微软雅黑" panose="020B0503020204020204" pitchFamily="34" charset="-122"/>
-            </a:endParaRPr>
-          </a:p>
-          <a:p>
-            <a:r>
-              <a:rPr lang="en-US" altLang="zh-CN" sz="2000" dirty="0">
-                <a:latin typeface="微软雅黑" panose="020B0503020204020204" pitchFamily="34" charset="-122"/>
-                <a:ea typeface="微软雅黑" panose="020B0503020204020204" pitchFamily="34" charset="-122"/>
-              </a:rPr>
-              <a:t>Trados</a:t>
-            </a:r>
             <a:r>
               <a:rPr lang="zh-CN" altLang="en-US" sz="2000" dirty="0">
                 <a:latin typeface="微软雅黑" panose="020B0503020204020204" pitchFamily="34" charset="-122"/>
                 <a:ea typeface="微软雅黑" panose="020B0503020204020204" pitchFamily="34" charset="-122"/>
               </a:rPr>
-              <a:t>，</a:t>
-            </a:r>
-            <a:r>
-              <a:rPr lang="en-US" altLang="zh-CN" sz="2000" dirty="0">
-                <a:latin typeface="微软雅黑" panose="020B0503020204020204" pitchFamily="34" charset="-122"/>
-                <a:ea typeface="微软雅黑" panose="020B0503020204020204" pitchFamily="34" charset="-122"/>
-              </a:rPr>
-              <a:t>auto suggest</a:t>
-            </a:r>
-            <a:endParaRPr lang="zh-CN" altLang="en-US" sz="2000" dirty="0">
+              <a:t>我想从你那里得到的是爱和尊重</a:t>
+            </a:r>
+            <a:endParaRPr lang="en-US" altLang="zh-CN" sz="2000" dirty="0">
               <a:latin typeface="微软雅黑" panose="020B0503020204020204" pitchFamily="34" charset="-122"/>
               <a:ea typeface="微软雅黑" panose="020B0503020204020204" pitchFamily="34" charset="-122"/>
             </a:endParaRPr>

--- a/二组展示.pptx
+++ b/二组展示.pptx
@@ -28,10 +28,10 @@
     <p:sldId id="299" r:id="rId16"/>
     <p:sldId id="300" r:id="rId17"/>
     <p:sldId id="301" r:id="rId18"/>
-    <p:sldId id="302" r:id="rId19"/>
-    <p:sldId id="303" r:id="rId20"/>
-    <p:sldId id="304" r:id="rId21"/>
-    <p:sldId id="305" r:id="rId22"/>
+    <p:sldId id="325" r:id="rId19"/>
+    <p:sldId id="326" r:id="rId20"/>
+    <p:sldId id="327" r:id="rId21"/>
+    <p:sldId id="328" r:id="rId22"/>
     <p:sldId id="306" r:id="rId23"/>
     <p:sldId id="276" r:id="rId24"/>
     <p:sldId id="287" r:id="rId25"/>
@@ -13737,6 +13737,96 @@
               </a:rPr>
               <a:t>软件将译文存储起来，通过句对齐等方法，构建出平行的双语语料库，进而搭建出翻译记忆库。而语块的对齐比较难，因为源语言与目标语言之间存在差别，语块在两个语言之间所处的位置和形态可能有所不同，导致记忆库的搭建更加复杂。相比较句子作为翻译单元，语块的翻译记忆库的搭建更加困难。</a:t>
             </a:r>
+            <a:r>
+              <a:rPr lang="en-US" altLang="zh-CN" sz="1200" kern="1200" dirty="0">
+                <a:solidFill>
+                  <a:schemeClr val="tx1"/>
+                </a:solidFill>
+                <a:effectLst/>
+                <a:latin typeface="+mn-lt"/>
+                <a:ea typeface="+mn-ea"/>
+                <a:cs typeface="+mn-cs"/>
+              </a:rPr>
+              <a:t> </a:t>
+            </a:r>
+            <a:r>
+              <a:rPr lang="zh-CN" altLang="en-US" sz="1200" kern="1200" dirty="0">
+                <a:solidFill>
+                  <a:schemeClr val="tx1"/>
+                </a:solidFill>
+                <a:effectLst/>
+                <a:latin typeface="+mn-lt"/>
+                <a:ea typeface="+mn-ea"/>
+                <a:cs typeface="+mn-cs"/>
+              </a:rPr>
+              <a:t>示例一</a:t>
+            </a:r>
+            <a:r>
+              <a:rPr lang="en-US" altLang="zh-CN" sz="1200" kern="1200" dirty="0">
+                <a:solidFill>
+                  <a:schemeClr val="tx1"/>
+                </a:solidFill>
+                <a:effectLst/>
+                <a:latin typeface="+mn-lt"/>
+                <a:ea typeface="+mn-ea"/>
+                <a:cs typeface="+mn-cs"/>
+              </a:rPr>
+              <a:t>……</a:t>
+            </a:r>
+          </a:p>
+          <a:p>
+            <a:pPr marL="0" marR="0" lvl="0" indent="0" algn="l" defTabSz="914400" rtl="0" eaLnBrk="1" fontAlgn="auto" latinLnBrk="0" hangingPunct="1">
+              <a:lnSpc>
+                <a:spcPct val="100000"/>
+              </a:lnSpc>
+              <a:spcBef>
+                <a:spcPts val="0"/>
+              </a:spcBef>
+              <a:spcAft>
+                <a:spcPts val="0"/>
+              </a:spcAft>
+              <a:buClrTx/>
+              <a:buSzTx/>
+              <a:buFontTx/>
+              <a:buNone/>
+              <a:tabLst/>
+              <a:defRPr/>
+            </a:pPr>
+            <a:r>
+              <a:rPr lang="zh-CN" altLang="en-US" dirty="0"/>
+              <a:t>示例二：</a:t>
+            </a:r>
+            <a:r>
+              <a:rPr lang="zh-CN" altLang="zh-CN" dirty="0"/>
+              <a:t>中文俗语“三天打鱼两天晒网”在翻译成英文时，既可译成动词短语“</a:t>
+            </a:r>
+            <a:r>
+              <a:rPr lang="en-US" altLang="zh-CN" dirty="0"/>
+              <a:t>work by fits and starts</a:t>
+            </a:r>
+            <a:r>
+              <a:rPr lang="zh-CN" altLang="zh-CN" dirty="0"/>
+              <a:t>”，又可译成名词短语</a:t>
+            </a:r>
+            <a:r>
+              <a:rPr lang="en-US" altLang="zh-CN" dirty="0"/>
+              <a:t>”lack of perseverance”</a:t>
+            </a:r>
+            <a:r>
+              <a:rPr lang="zh-CN" altLang="zh-CN" dirty="0"/>
+              <a:t>，可见，这类习俗语语块在不同语境下，需要翻译成的形态可能不同，翻译的多样性对记忆库的搭建造成了挑战。</a:t>
+            </a:r>
+          </a:p>
+          <a:p>
+            <a:endParaRPr lang="zh-CN" altLang="zh-CN" sz="1200" kern="1200" dirty="0">
+              <a:solidFill>
+                <a:schemeClr val="tx1"/>
+              </a:solidFill>
+              <a:effectLst/>
+              <a:latin typeface="+mn-lt"/>
+              <a:ea typeface="+mn-ea"/>
+              <a:cs typeface="+mn-cs"/>
+            </a:endParaRPr>
           </a:p>
         </p:txBody>
       </p:sp>
@@ -13865,27 +13955,70 @@
                 <a:ea typeface="+mn-ea"/>
                 <a:cs typeface="+mn-cs"/>
               </a:rPr>
-              <a:t>在语块记忆库搭建完成之后，语块作为翻译记忆的提取和呈现比较困难。如果译者在翻译过程中仍以句子为翻译单元，语块作为翻译记忆的复用单元调取出来之后，该语块的译文应该处于句子中的何处，因此可能需要译者手动地调整句子地语序。为了指导译员高效地创作出正确且通顺的译文，并且创造出用户友好型地翻译界面，语块应该如何呈现给译者这一问题需要考虑。</a:t>
-            </a:r>
-          </a:p>
-          <a:p>
-            <a:pPr marL="0" marR="0" lvl="0" indent="0" algn="l" defTabSz="914400" rtl="0" eaLnBrk="1" fontAlgn="auto" latinLnBrk="0" hangingPunct="1">
-              <a:lnSpc>
-                <a:spcPct val="100000"/>
-              </a:lnSpc>
-              <a:spcBef>
-                <a:spcPts val="0"/>
-              </a:spcBef>
-              <a:spcAft>
-                <a:spcPts val="0"/>
-              </a:spcAft>
-              <a:buClrTx/>
-              <a:buSzTx/>
-              <a:buFontTx/>
-              <a:buNone/>
-              <a:tabLst/>
-              <a:defRPr/>
-            </a:pPr>
+              <a:t>在语块记忆库搭建完成之后，语块作为翻译记忆的提取和呈现比较困难。如果译者在翻译过程中仍以句子为翻译单元，语块作为翻译记忆的复用单元调取出来之后，该语块的译文应该处于句子中的何处，可能需要译者手动地调整句子</a:t>
+            </a:r>
+            <a:r>
+              <a:rPr lang="zh-CN" altLang="en-US" sz="1200" kern="1200" dirty="0">
+                <a:solidFill>
+                  <a:schemeClr val="tx1"/>
+                </a:solidFill>
+                <a:effectLst/>
+                <a:latin typeface="+mn-lt"/>
+                <a:ea typeface="+mn-ea"/>
+                <a:cs typeface="+mn-cs"/>
+              </a:rPr>
+              <a:t>的</a:t>
+            </a:r>
+            <a:r>
+              <a:rPr lang="zh-CN" altLang="zh-CN" sz="1200" kern="1200" dirty="0">
+                <a:solidFill>
+                  <a:schemeClr val="tx1"/>
+                </a:solidFill>
+                <a:effectLst/>
+                <a:latin typeface="+mn-lt"/>
+                <a:ea typeface="+mn-ea"/>
+                <a:cs typeface="+mn-cs"/>
+              </a:rPr>
+              <a:t>语序。为了指导译员高效地创作出正确且通顺的译文，并且创造出用户友好型地翻译界面，语块应该如何呈现给译者这一问题需要考虑。</a:t>
+            </a:r>
+          </a:p>
+          <a:p>
+            <a:r>
+              <a:rPr lang="zh-CN" altLang="en-US" sz="1200" kern="1200" dirty="0">
+                <a:solidFill>
+                  <a:schemeClr val="tx1"/>
+                </a:solidFill>
+                <a:effectLst/>
+                <a:latin typeface="+mn-lt"/>
+                <a:ea typeface="+mn-ea"/>
+                <a:cs typeface="+mn-cs"/>
+              </a:rPr>
+              <a:t>例如，在这个例子中，</a:t>
+            </a:r>
+            <a:r>
+              <a:rPr lang="en-US" altLang="zh-CN" sz="1200" kern="1200" dirty="0">
+                <a:solidFill>
+                  <a:schemeClr val="tx1"/>
+                </a:solidFill>
+                <a:effectLst/>
+                <a:latin typeface="+mn-lt"/>
+                <a:ea typeface="+mn-ea"/>
+                <a:cs typeface="+mn-cs"/>
+              </a:rPr>
+              <a:t>not only but also</a:t>
+            </a:r>
+            <a:r>
+              <a:rPr lang="zh-CN" altLang="en-US" sz="1200" kern="1200" dirty="0">
+                <a:solidFill>
+                  <a:schemeClr val="tx1"/>
+                </a:solidFill>
+                <a:effectLst/>
+                <a:latin typeface="+mn-lt"/>
+                <a:ea typeface="+mn-ea"/>
+                <a:cs typeface="+mn-cs"/>
+              </a:rPr>
+              <a:t>结构可以作为语块，存储进翻译记忆库中，但是在翻译过程中，该语块如何提示给用户，应该出现在句子中的什么位置，以及在该倒装句中，语序的问题等等复杂的问题 都是语块作为翻译单元的缺点。</a:t>
+            </a:r>
             <a:endParaRPr lang="zh-CN" altLang="zh-CN" sz="1200" kern="1200" dirty="0">
               <a:solidFill>
                 <a:schemeClr val="tx1"/>
@@ -20942,7 +21075,7 @@
         <p:spPr>
           <a:xfrm>
             <a:off x="2143056" y="1616542"/>
-            <a:ext cx="7604633" cy="5030351"/>
+            <a:ext cx="9188973" cy="4568687"/>
           </a:xfrm>
           <a:prstGeom prst="rect">
             <a:avLst/>
@@ -21088,7 +21221,7 @@
                 <a:latin typeface="微软雅黑" panose="020B0503020204020204" pitchFamily="34" charset="-122"/>
                 <a:ea typeface="微软雅黑" panose="020B0503020204020204" pitchFamily="34" charset="-122"/>
               </a:rPr>
-              <a:t>criminal lawyer			</a:t>
+              <a:t>criminal lawyer		</a:t>
             </a:r>
             <a:r>
               <a:rPr lang="zh-CN" altLang="en-US" sz="2400" dirty="0">
@@ -23691,7 +23824,7 @@
         <p:spPr>
           <a:xfrm>
             <a:off x="1247154" y="1642983"/>
-            <a:ext cx="9549183" cy="4183966"/>
+            <a:ext cx="9549183" cy="4907241"/>
           </a:xfrm>
           <a:prstGeom prst="rect">
             <a:avLst/>
@@ -23734,6 +23867,13 @@
                 <a:spcPct val="150000"/>
               </a:lnSpc>
             </a:pPr>
+            <a:r>
+              <a:rPr lang="zh-CN" altLang="en-US" sz="2800" dirty="0">
+                <a:latin typeface="微软雅黑" panose="020B0503020204020204" pitchFamily="34" charset="-122"/>
+                <a:ea typeface="微软雅黑" panose="020B0503020204020204" pitchFamily="34" charset="-122"/>
+              </a:rPr>
+              <a:t>        语块边界模糊，自动抽取技术不完善</a:t>
+            </a:r>
             <a:endParaRPr lang="en-US" altLang="zh-CN" sz="2800" dirty="0">
               <a:latin typeface="微软雅黑" panose="020B0503020204020204" pitchFamily="34" charset="-122"/>
               <a:ea typeface="微软雅黑" panose="020B0503020204020204" pitchFamily="34" charset="-122"/>
@@ -23750,7 +23890,19 @@
                 <a:latin typeface="微软雅黑" panose="020B0503020204020204" pitchFamily="34" charset="-122"/>
                 <a:ea typeface="微软雅黑" panose="020B0503020204020204" pitchFamily="34" charset="-122"/>
               </a:rPr>
-              <a:t>           语块边界模糊，自动抽取技术不完善</a:t>
+              <a:t>        双语对齐较为困难，</a:t>
+            </a:r>
+            <a:r>
+              <a:rPr lang="zh-CN" altLang="zh-CN" sz="2800" dirty="0"/>
+              <a:t>语块在</a:t>
+            </a:r>
+            <a:r>
+              <a:rPr lang="zh-CN" altLang="en-US" sz="2800" dirty="0"/>
+              <a:t>不同</a:t>
+            </a:r>
+            <a:r>
+              <a:rPr lang="zh-CN" altLang="zh-CN" sz="2800" dirty="0"/>
+              <a:t>语言之间所处的位置和形态可能有所不同</a:t>
             </a:r>
             <a:endParaRPr lang="en-US" altLang="zh-CN" sz="2800" dirty="0">
               <a:latin typeface="微软雅黑" panose="020B0503020204020204" pitchFamily="34" charset="-122"/>
@@ -23758,64 +23910,146 @@
             </a:endParaRPr>
           </a:p>
           <a:p>
-            <a:pPr>
-              <a:lnSpc>
-                <a:spcPct val="150000"/>
-              </a:lnSpc>
-            </a:pPr>
-            <a:r>
-              <a:rPr lang="zh-CN" altLang="en-US" sz="2800" dirty="0">
+            <a:r>
+              <a:rPr lang="en-US" altLang="zh-CN" sz="2800" dirty="0">
                 <a:latin typeface="微软雅黑" panose="020B0503020204020204" pitchFamily="34" charset="-122"/>
                 <a:ea typeface="微软雅黑" panose="020B0503020204020204" pitchFamily="34" charset="-122"/>
               </a:rPr>
-              <a:t>           双语对齐较为困难，</a:t>
-            </a:r>
-            <a:r>
-              <a:rPr lang="zh-CN" altLang="zh-CN" sz="2800" dirty="0"/>
-              <a:t>语块在</a:t>
-            </a:r>
-            <a:r>
-              <a:rPr lang="zh-CN" altLang="en-US" sz="2800" dirty="0"/>
-              <a:t>不同</a:t>
-            </a:r>
-            <a:r>
-              <a:rPr lang="zh-CN" altLang="zh-CN" sz="2800" dirty="0"/>
-              <a:t>语言之间所处的位置和形态可能有所不同</a:t>
-            </a:r>
-            <a:endParaRPr lang="en-US" altLang="zh-CN" sz="2800" dirty="0">
+              <a:t>	</a:t>
+            </a:r>
+            <a:r>
+              <a:rPr lang="zh-CN" altLang="en-US" sz="2000" dirty="0">
+                <a:latin typeface="微软雅黑" panose="020B0503020204020204" pitchFamily="34" charset="-122"/>
+                <a:ea typeface="微软雅黑" panose="020B0503020204020204" pitchFamily="34" charset="-122"/>
+              </a:rPr>
+              <a:t>示例：</a:t>
+            </a:r>
+            <a:r>
+              <a:rPr lang="en-US" altLang="zh-CN" sz="2800" dirty="0">
+                <a:latin typeface="微软雅黑" panose="020B0503020204020204" pitchFamily="34" charset="-122"/>
+                <a:ea typeface="微软雅黑" panose="020B0503020204020204" pitchFamily="34" charset="-122"/>
+              </a:rPr>
+              <a:t>  </a:t>
+            </a:r>
+          </a:p>
+          <a:p>
+            <a:r>
+              <a:rPr lang="en-US" altLang="zh-CN" sz="2800" dirty="0">
+                <a:latin typeface="微软雅黑" panose="020B0503020204020204" pitchFamily="34" charset="-122"/>
+                <a:ea typeface="微软雅黑" panose="020B0503020204020204" pitchFamily="34" charset="-122"/>
+              </a:rPr>
+              <a:t>	</a:t>
+            </a:r>
+            <a:r>
+              <a:rPr lang="en-US" altLang="zh-CN" sz="2000" dirty="0">
+                <a:latin typeface="微软雅黑" panose="020B0503020204020204" pitchFamily="34" charset="-122"/>
+                <a:ea typeface="微软雅黑" panose="020B0503020204020204" pitchFamily="34" charset="-122"/>
+              </a:rPr>
+              <a:t>take … into consideration	</a:t>
+            </a:r>
+            <a:r>
+              <a:rPr lang="en-US" altLang="zh-CN" sz="2000" dirty="0">
+                <a:latin typeface="微软雅黑" panose="020B0503020204020204" pitchFamily="34" charset="-122"/>
+                <a:ea typeface="微软雅黑" panose="020B0503020204020204" pitchFamily="34" charset="-122"/>
+                <a:sym typeface="Wingdings" panose="05000000000000000000" pitchFamily="2" charset="2"/>
+              </a:rPr>
+              <a:t>  	</a:t>
+            </a:r>
+            <a:r>
+              <a:rPr lang="zh-CN" altLang="en-US" sz="2000" dirty="0">
+                <a:latin typeface="微软雅黑" panose="020B0503020204020204" pitchFamily="34" charset="-122"/>
+                <a:ea typeface="微软雅黑" panose="020B0503020204020204" pitchFamily="34" charset="-122"/>
+              </a:rPr>
+              <a:t>考虑</a:t>
+            </a:r>
+            <a:r>
+              <a:rPr lang="en-US" altLang="zh-CN" sz="2000" dirty="0">
+                <a:latin typeface="微软雅黑" panose="020B0503020204020204" pitchFamily="34" charset="-122"/>
+                <a:ea typeface="微软雅黑" panose="020B0503020204020204" pitchFamily="34" charset="-122"/>
+              </a:rPr>
+              <a:t>…</a:t>
+            </a:r>
+            <a:endParaRPr lang="en-US" altLang="zh-CN" sz="2000" b="1" dirty="0">
               <a:latin typeface="微软雅黑" panose="020B0503020204020204" pitchFamily="34" charset="-122"/>
               <a:ea typeface="微软雅黑" panose="020B0503020204020204" pitchFamily="34" charset="-122"/>
             </a:endParaRPr>
           </a:p>
           <a:p>
-            <a:pPr>
-              <a:lnSpc>
-                <a:spcPct val="125000"/>
-              </a:lnSpc>
-            </a:pPr>
             <a:r>
               <a:rPr lang="en-US" altLang="zh-CN" sz="2800" dirty="0">
                 <a:latin typeface="微软雅黑" panose="020B0503020204020204" pitchFamily="34" charset="-122"/>
                 <a:ea typeface="微软雅黑" panose="020B0503020204020204" pitchFamily="34" charset="-122"/>
               </a:rPr>
-              <a:t>	  take…into consideration		</a:t>
-            </a:r>
-            <a:r>
-              <a:rPr lang="zh-CN" altLang="en-US" sz="2800" dirty="0">
+              <a:t>	</a:t>
+            </a:r>
+            <a:r>
+              <a:rPr lang="zh-CN" altLang="zh-CN" sz="2000" dirty="0">
                 <a:latin typeface="微软雅黑" panose="020B0503020204020204" pitchFamily="34" charset="-122"/>
                 <a:ea typeface="微软雅黑" panose="020B0503020204020204" pitchFamily="34" charset="-122"/>
               </a:rPr>
-              <a:t>考虑</a:t>
-            </a:r>
-            <a:r>
-              <a:rPr lang="en-US" altLang="zh-CN" sz="2800" dirty="0">
+              <a:t>三天打鱼两天晒网</a:t>
+            </a:r>
+            <a:r>
+              <a:rPr lang="en-US" altLang="zh-CN" sz="2000" dirty="0">
                 <a:latin typeface="微软雅黑" panose="020B0503020204020204" pitchFamily="34" charset="-122"/>
                 <a:ea typeface="微软雅黑" panose="020B0503020204020204" pitchFamily="34" charset="-122"/>
               </a:rPr>
-              <a:t>…</a:t>
-            </a:r>
-            <a:endParaRPr lang="en-US" altLang="zh-CN" sz="2800" dirty="0">
-              <a:latin typeface="+mn-ea"/>
+              <a:t>	</a:t>
+            </a:r>
+            <a:r>
+              <a:rPr lang="en-US" altLang="zh-CN" sz="2000" dirty="0">
+                <a:latin typeface="微软雅黑" panose="020B0503020204020204" pitchFamily="34" charset="-122"/>
+                <a:ea typeface="微软雅黑" panose="020B0503020204020204" pitchFamily="34" charset="-122"/>
+                <a:sym typeface="Wingdings" panose="05000000000000000000" pitchFamily="2" charset="2"/>
+              </a:rPr>
+              <a:t>	 (VP)</a:t>
+            </a:r>
+            <a:r>
+              <a:rPr lang="zh-CN" altLang="zh-CN" sz="2000" dirty="0">
+                <a:latin typeface="微软雅黑" panose="020B0503020204020204" pitchFamily="34" charset="-122"/>
+                <a:ea typeface="微软雅黑" panose="020B0503020204020204" pitchFamily="34" charset="-122"/>
+              </a:rPr>
+              <a:t>“</a:t>
+            </a:r>
+            <a:r>
+              <a:rPr lang="en-US" altLang="zh-CN" sz="2000" dirty="0">
+                <a:latin typeface="微软雅黑" panose="020B0503020204020204" pitchFamily="34" charset="-122"/>
+                <a:ea typeface="微软雅黑" panose="020B0503020204020204" pitchFamily="34" charset="-122"/>
+              </a:rPr>
+              <a:t>work by fits and starts</a:t>
+            </a:r>
+            <a:r>
+              <a:rPr lang="zh-CN" altLang="zh-CN" sz="2000" dirty="0">
+                <a:latin typeface="微软雅黑" panose="020B0503020204020204" pitchFamily="34" charset="-122"/>
+                <a:ea typeface="微软雅黑" panose="020B0503020204020204" pitchFamily="34" charset="-122"/>
+              </a:rPr>
+              <a:t>”</a:t>
+            </a:r>
+            <a:endParaRPr lang="en-US" altLang="zh-CN" sz="2000" dirty="0">
+              <a:latin typeface="微软雅黑" panose="020B0503020204020204" pitchFamily="34" charset="-122"/>
+              <a:ea typeface="微软雅黑" panose="020B0503020204020204" pitchFamily="34" charset="-122"/>
+            </a:endParaRPr>
+          </a:p>
+          <a:p>
+            <a:r>
+              <a:rPr lang="en-US" altLang="zh-CN" sz="2000" dirty="0">
+                <a:latin typeface="微软雅黑" panose="020B0503020204020204" pitchFamily="34" charset="-122"/>
+                <a:ea typeface="微软雅黑" panose="020B0503020204020204" pitchFamily="34" charset="-122"/>
+              </a:rPr>
+              <a:t>			          		 (NP)”lack of perseverance”</a:t>
+            </a:r>
+          </a:p>
+          <a:p>
+            <a:r>
+              <a:rPr lang="en-US" altLang="zh-CN" sz="2000" dirty="0">
+                <a:latin typeface="微软雅黑" panose="020B0503020204020204" pitchFamily="34" charset="-122"/>
+                <a:ea typeface="微软雅黑" panose="020B0503020204020204" pitchFamily="34" charset="-122"/>
+              </a:rPr>
+              <a:t>					 ……</a:t>
+            </a:r>
+            <a:endParaRPr lang="en-US" altLang="zh-CN" sz="3200" dirty="0">
+              <a:latin typeface="微软雅黑" panose="020B0503020204020204" pitchFamily="34" charset="-122"/>
+              <a:ea typeface="微软雅黑" panose="020B0503020204020204" pitchFamily="34" charset="-122"/>
             </a:endParaRPr>
           </a:p>
           <a:p>
@@ -23831,7 +24065,7 @@
     </p:spTree>
     <p:extLst>
       <p:ext uri="{BB962C8B-B14F-4D97-AF65-F5344CB8AC3E}">
-        <p14:creationId xmlns:p14="http://schemas.microsoft.com/office/powerpoint/2010/main" val="1894722911"/>
+        <p14:creationId xmlns:p14="http://schemas.microsoft.com/office/powerpoint/2010/main" val="2557953205"/>
       </p:ext>
     </p:extLst>
   </p:cSld>
@@ -24106,7 +24340,7 @@
         <p:spPr>
           <a:xfrm>
             <a:off x="1247154" y="1642983"/>
-            <a:ext cx="9549183" cy="3214470"/>
+            <a:ext cx="9549183" cy="4368632"/>
           </a:xfrm>
           <a:prstGeom prst="rect">
             <a:avLst/>
@@ -24154,14 +24388,14 @@
                 <a:latin typeface="微软雅黑" panose="020B0503020204020204" pitchFamily="34" charset="-122"/>
                 <a:ea typeface="微软雅黑" panose="020B0503020204020204" pitchFamily="34" charset="-122"/>
               </a:rPr>
-              <a:t>获得语块记忆：</a:t>
+              <a:t>获得的语块记忆：</a:t>
             </a:r>
             <a:r>
               <a:rPr lang="en-US" altLang="zh-CN" sz="2800" dirty="0">
                 <a:latin typeface="微软雅黑" panose="020B0503020204020204" pitchFamily="34" charset="-122"/>
                 <a:ea typeface="微软雅黑" panose="020B0503020204020204" pitchFamily="34" charset="-122"/>
               </a:rPr>
-              <a:t>c1      c2      c3      c4</a:t>
+              <a:t>c1     c2      c3      c4     ……. </a:t>
             </a:r>
           </a:p>
           <a:p>
@@ -24171,39 +24405,32 @@
               </a:lnSpc>
             </a:pPr>
             <a:r>
+              <a:rPr lang="en-US" altLang="zh-CN" sz="2800" dirty="0">
+                <a:latin typeface="微软雅黑" panose="020B0503020204020204" pitchFamily="34" charset="-122"/>
+                <a:ea typeface="微软雅黑" panose="020B0503020204020204" pitchFamily="34" charset="-122"/>
+              </a:rPr>
+              <a:t>	1.</a:t>
+            </a:r>
+            <a:r>
               <a:rPr lang="zh-CN" altLang="en-US" sz="2800" dirty="0">
                 <a:latin typeface="微软雅黑" panose="020B0503020204020204" pitchFamily="34" charset="-122"/>
                 <a:ea typeface="微软雅黑" panose="020B0503020204020204" pitchFamily="34" charset="-122"/>
               </a:rPr>
-              <a:t>        </a:t>
+              <a:t> 是否需要调整顺序和结构（</a:t>
             </a:r>
             <a:r>
               <a:rPr lang="en-US" altLang="zh-CN" sz="2800" dirty="0">
                 <a:latin typeface="微软雅黑" panose="020B0503020204020204" pitchFamily="34" charset="-122"/>
                 <a:ea typeface="微软雅黑" panose="020B0503020204020204" pitchFamily="34" charset="-122"/>
               </a:rPr>
-              <a:t>1.</a:t>
+              <a:t>Reordering</a:t>
             </a:r>
             <a:r>
               <a:rPr lang="zh-CN" altLang="en-US" sz="2800" dirty="0">
                 <a:latin typeface="微软雅黑" panose="020B0503020204020204" pitchFamily="34" charset="-122"/>
                 <a:ea typeface="微软雅黑" panose="020B0503020204020204" pitchFamily="34" charset="-122"/>
               </a:rPr>
-              <a:t> 是否需要调整顺序与结构？</a:t>
-            </a:r>
-            <a:r>
-              <a:rPr lang="en-US" altLang="zh-CN" sz="2800" dirty="0" err="1">
-                <a:latin typeface="微软雅黑" panose="020B0503020204020204" pitchFamily="34" charset="-122"/>
-                <a:ea typeface="微软雅黑" panose="020B0503020204020204" pitchFamily="34" charset="-122"/>
-              </a:rPr>
-              <a:t>Reodering</a:t>
-            </a:r>
-            <a:r>
-              <a:rPr lang="zh-CN" altLang="en-US" sz="2800" dirty="0">
-                <a:latin typeface="微软雅黑" panose="020B0503020204020204" pitchFamily="34" charset="-122"/>
-                <a:ea typeface="微软雅黑" panose="020B0503020204020204" pitchFamily="34" charset="-122"/>
-              </a:rPr>
-              <a:t>。如何组成正确通顺的译文？（倒装句）</a:t>
+              <a:t>）？</a:t>
             </a:r>
             <a:endParaRPr lang="en-US" altLang="zh-CN" sz="2800" dirty="0">
               <a:latin typeface="微软雅黑" panose="020B0503020204020204" pitchFamily="34" charset="-122"/>
@@ -24217,27 +24444,87 @@
               </a:lnSpc>
             </a:pPr>
             <a:r>
+              <a:rPr lang="en-US" altLang="zh-CN" sz="2800" dirty="0">
+                <a:latin typeface="微软雅黑" panose="020B0503020204020204" pitchFamily="34" charset="-122"/>
+                <a:ea typeface="微软雅黑" panose="020B0503020204020204" pitchFamily="34" charset="-122"/>
+              </a:rPr>
+              <a:t>	2.</a:t>
+            </a:r>
+            <a:r>
               <a:rPr lang="zh-CN" altLang="en-US" sz="2800" dirty="0">
                 <a:latin typeface="微软雅黑" panose="020B0503020204020204" pitchFamily="34" charset="-122"/>
                 <a:ea typeface="微软雅黑" panose="020B0503020204020204" pitchFamily="34" charset="-122"/>
               </a:rPr>
-              <a:t>        </a:t>
+              <a:t> 怎样呈现记忆信息？用户体验</a:t>
+            </a:r>
+            <a:endParaRPr lang="en-US" altLang="zh-CN" sz="2800" dirty="0">
+              <a:latin typeface="微软雅黑" panose="020B0503020204020204" pitchFamily="34" charset="-122"/>
+              <a:ea typeface="微软雅黑" panose="020B0503020204020204" pitchFamily="34" charset="-122"/>
+            </a:endParaRPr>
+          </a:p>
+          <a:p>
+            <a:pPr>
+              <a:lnSpc>
+                <a:spcPct val="125000"/>
+              </a:lnSpc>
+            </a:pPr>
+            <a:r>
+              <a:rPr lang="zh-CN" altLang="en-US" sz="2000" dirty="0">
+                <a:latin typeface="微软雅黑" panose="020B0503020204020204" pitchFamily="34" charset="-122"/>
+                <a:ea typeface="微软雅黑" panose="020B0503020204020204" pitchFamily="34" charset="-122"/>
+              </a:rPr>
+              <a:t>示例：</a:t>
             </a:r>
             <a:r>
               <a:rPr lang="en-US" altLang="zh-CN" sz="2800" dirty="0">
                 <a:latin typeface="微软雅黑" panose="020B0503020204020204" pitchFamily="34" charset="-122"/>
                 <a:ea typeface="微软雅黑" panose="020B0503020204020204" pitchFamily="34" charset="-122"/>
               </a:rPr>
-              <a:t>2.</a:t>
-            </a:r>
-            <a:r>
-              <a:rPr lang="zh-CN" altLang="en-US" sz="2800" dirty="0">
+              <a:t>	</a:t>
+            </a:r>
+          </a:p>
+          <a:p>
+            <a:pPr>
+              <a:lnSpc>
+                <a:spcPct val="125000"/>
+              </a:lnSpc>
+            </a:pPr>
+            <a:r>
+              <a:rPr lang="en-US" altLang="zh-CN" sz="2000" b="1" dirty="0">
                 <a:latin typeface="微软雅黑" panose="020B0503020204020204" pitchFamily="34" charset="-122"/>
                 <a:ea typeface="微软雅黑" panose="020B0503020204020204" pitchFamily="34" charset="-122"/>
               </a:rPr>
-              <a:t>  怎样呈现获得的记忆信息？用户体验</a:t>
-            </a:r>
-            <a:endParaRPr lang="en-US" altLang="zh-CN" sz="2800" dirty="0">
+              <a:t>Not only</a:t>
+            </a:r>
+            <a:r>
+              <a:rPr lang="en-US" altLang="zh-CN" sz="2000" dirty="0">
+                <a:latin typeface="微软雅黑" panose="020B0503020204020204" pitchFamily="34" charset="-122"/>
+                <a:ea typeface="微软雅黑" panose="020B0503020204020204" pitchFamily="34" charset="-122"/>
+              </a:rPr>
+              <a:t> should we students care about our study </a:t>
+            </a:r>
+            <a:r>
+              <a:rPr lang="en-US" altLang="zh-CN" sz="2000" b="1" dirty="0">
+                <a:latin typeface="微软雅黑" panose="020B0503020204020204" pitchFamily="34" charset="-122"/>
+                <a:ea typeface="微软雅黑" panose="020B0503020204020204" pitchFamily="34" charset="-122"/>
+              </a:rPr>
+              <a:t>but also </a:t>
+            </a:r>
+            <a:r>
+              <a:rPr lang="en-US" altLang="zh-CN" sz="2000" dirty="0">
+                <a:latin typeface="微软雅黑" panose="020B0503020204020204" pitchFamily="34" charset="-122"/>
+                <a:ea typeface="微软雅黑" panose="020B0503020204020204" pitchFamily="34" charset="-122"/>
+              </a:rPr>
+              <a:t>our physical and phycological health.</a:t>
+            </a:r>
+          </a:p>
+          <a:p>
+            <a:pPr>
+              <a:lnSpc>
+                <a:spcPct val="125000"/>
+              </a:lnSpc>
+            </a:pPr>
+            <a:endParaRPr lang="en-US" altLang="zh-CN" sz="2000" dirty="0">
               <a:latin typeface="微软雅黑" panose="020B0503020204020204" pitchFamily="34" charset="-122"/>
               <a:ea typeface="微软雅黑" panose="020B0503020204020204" pitchFamily="34" charset="-122"/>
             </a:endParaRPr>
@@ -24255,7 +24542,7 @@
     </p:spTree>
     <p:extLst>
       <p:ext uri="{BB962C8B-B14F-4D97-AF65-F5344CB8AC3E}">
-        <p14:creationId xmlns:p14="http://schemas.microsoft.com/office/powerpoint/2010/main" val="587801237"/>
+        <p14:creationId xmlns:p14="http://schemas.microsoft.com/office/powerpoint/2010/main" val="2706600798"/>
       </p:ext>
     </p:extLst>
   </p:cSld>
@@ -24826,7 +25113,7 @@
         <p:spPr>
           <a:xfrm>
             <a:off x="1247154" y="1642983"/>
-            <a:ext cx="10271746" cy="4384021"/>
+            <a:ext cx="10271746" cy="4607159"/>
           </a:xfrm>
           <a:prstGeom prst="rect">
             <a:avLst/>
@@ -24843,6 +25130,9 @@
               <a:lnSpc>
                 <a:spcPct val="150000"/>
               </a:lnSpc>
+              <a:spcAft>
+                <a:spcPts val="600"/>
+              </a:spcAft>
             </a:pPr>
             <a:r>
               <a:rPr lang="en-US" altLang="zh-CN" sz="2800" b="1" dirty="0">
@@ -24857,20 +25147,6 @@
                 <a:ea typeface="微软雅黑" panose="020B0503020204020204" pitchFamily="34" charset="-122"/>
               </a:rPr>
               <a:t>缺乏上下文导致的歧义问题：语言色彩</a:t>
-            </a:r>
-            <a:r>
-              <a:rPr lang="en-US" altLang="zh-CN" sz="2800" b="1" dirty="0">
-                <a:latin typeface="微软雅黑" panose="020B0503020204020204" pitchFamily="34" charset="-122"/>
-                <a:ea typeface="微软雅黑" panose="020B0503020204020204" pitchFamily="34" charset="-122"/>
-              </a:rPr>
-              <a:t>+</a:t>
-            </a:r>
-            <a:r>
-              <a:rPr lang="zh-CN" altLang="en-US" sz="2800" b="1" dirty="0">
-                <a:latin typeface="微软雅黑" panose="020B0503020204020204" pitchFamily="34" charset="-122"/>
-                <a:ea typeface="微软雅黑" panose="020B0503020204020204" pitchFamily="34" charset="-122"/>
-              </a:rPr>
-              <a:t>多样性</a:t>
             </a:r>
             <a:endParaRPr lang="en-US" altLang="zh-CN" sz="2800" b="1" dirty="0">
               <a:latin typeface="微软雅黑" panose="020B0503020204020204" pitchFamily="34" charset="-122"/>
@@ -24878,178 +25154,276 @@
             </a:endParaRPr>
           </a:p>
           <a:p>
-            <a:r>
-              <a:rPr lang="zh-CN" altLang="zh-CN" sz="2400" dirty="0">
+            <a:pPr>
+              <a:spcAft>
+                <a:spcPts val="600"/>
+              </a:spcAft>
+            </a:pPr>
+            <a:r>
+              <a:rPr lang="en-US" altLang="zh-CN" sz="2200" dirty="0">
                 <a:latin typeface="微软雅黑" panose="020B0503020204020204" pitchFamily="34" charset="-122"/>
                 <a:ea typeface="微软雅黑" panose="020B0503020204020204" pitchFamily="34" charset="-122"/>
               </a:rPr>
-              <a:t>【语境：在对一位中方经济专家的访谈中】</a:t>
-            </a:r>
-            <a:br>
-              <a:rPr lang="en-US" altLang="zh-CN" sz="2400" dirty="0">
+              <a:t>	</a:t>
+            </a:r>
+            <a:r>
+              <a:rPr lang="zh-CN" altLang="en-US" sz="2200" dirty="0">
                 <a:latin typeface="微软雅黑" panose="020B0503020204020204" pitchFamily="34" charset="-122"/>
                 <a:ea typeface="微软雅黑" panose="020B0503020204020204" pitchFamily="34" charset="-122"/>
               </a:rPr>
-            </a:br>
-            <a:r>
-              <a:rPr lang="zh-CN" altLang="zh-CN" sz="2400" dirty="0">
+              <a:t>示例</a:t>
+            </a:r>
+            <a:r>
+              <a:rPr lang="en-US" altLang="zh-CN" sz="2200" dirty="0">
                 <a:latin typeface="微软雅黑" panose="020B0503020204020204" pitchFamily="34" charset="-122"/>
                 <a:ea typeface="微软雅黑" panose="020B0503020204020204" pitchFamily="34" charset="-122"/>
               </a:rPr>
-              <a:t>英：</a:t>
-            </a:r>
-            <a:r>
-              <a:rPr lang="en-US" altLang="zh-CN" sz="2400" dirty="0">
+              <a:t>1</a:t>
+            </a:r>
+            <a:r>
+              <a:rPr lang="zh-CN" altLang="en-US" sz="2200" dirty="0">
                 <a:latin typeface="微软雅黑" panose="020B0503020204020204" pitchFamily="34" charset="-122"/>
                 <a:ea typeface="微软雅黑" panose="020B0503020204020204" pitchFamily="34" charset="-122"/>
               </a:rPr>
-              <a:t>Professor Wang, do you agree with the prediction, as reported, that China will keep a sound and steady GDP increase this year? </a:t>
-            </a:r>
-            <a:br>
-              <a:rPr lang="en-US" altLang="zh-CN" sz="2400" dirty="0">
+              <a:t>：</a:t>
+            </a:r>
+            <a:r>
+              <a:rPr lang="zh-CN" altLang="zh-CN" sz="2200" dirty="0">
                 <a:latin typeface="微软雅黑" panose="020B0503020204020204" pitchFamily="34" charset="-122"/>
                 <a:ea typeface="微软雅黑" panose="020B0503020204020204" pitchFamily="34" charset="-122"/>
               </a:rPr>
-            </a:br>
-            <a:r>
-              <a:rPr lang="zh-CN" altLang="zh-CN" sz="2400" dirty="0">
+              <a:t>【语境：在对一位中方经济专家的访谈中】</a:t>
+            </a:r>
+            <a:endParaRPr lang="en-US" altLang="zh-CN" sz="2200" dirty="0">
+              <a:latin typeface="微软雅黑" panose="020B0503020204020204" pitchFamily="34" charset="-122"/>
+              <a:ea typeface="微软雅黑" panose="020B0503020204020204" pitchFamily="34" charset="-122"/>
+            </a:endParaRPr>
+          </a:p>
+          <a:p>
+            <a:endParaRPr lang="en-US" altLang="zh-CN" sz="1050" dirty="0">
+              <a:latin typeface="微软雅黑" panose="020B0503020204020204" pitchFamily="34" charset="-122"/>
+              <a:ea typeface="微软雅黑" panose="020B0503020204020204" pitchFamily="34" charset="-122"/>
+            </a:endParaRPr>
+          </a:p>
+          <a:p>
+            <a:pPr>
+              <a:lnSpc>
+                <a:spcPct val="120000"/>
+              </a:lnSpc>
+              <a:spcAft>
+                <a:spcPts val="600"/>
+              </a:spcAft>
+            </a:pPr>
+            <a:r>
+              <a:rPr lang="zh-CN" altLang="zh-CN" sz="2000" dirty="0">
                 <a:latin typeface="微软雅黑" panose="020B0503020204020204" pitchFamily="34" charset="-122"/>
                 <a:ea typeface="微软雅黑" panose="020B0503020204020204" pitchFamily="34" charset="-122"/>
               </a:rPr>
-              <a:t>译：王教授，有报道预测中国今年将会保持健康和稳步的</a:t>
-            </a:r>
-            <a:r>
-              <a:rPr lang="en-US" altLang="zh-CN" sz="2400" dirty="0">
+              <a:t>英：</a:t>
+            </a:r>
+            <a:r>
+              <a:rPr lang="en-US" altLang="zh-CN" sz="2000" dirty="0">
                 <a:latin typeface="微软雅黑" panose="020B0503020204020204" pitchFamily="34" charset="-122"/>
                 <a:ea typeface="微软雅黑" panose="020B0503020204020204" pitchFamily="34" charset="-122"/>
               </a:rPr>
-              <a:t>GDP</a:t>
-            </a:r>
-            <a:r>
-              <a:rPr lang="zh-CN" altLang="zh-CN" sz="2400" dirty="0">
+              <a:t>Professor Wang, do you agree with the prediction, as reported, that China will   </a:t>
+            </a:r>
+          </a:p>
+          <a:p>
+            <a:pPr>
+              <a:lnSpc>
+                <a:spcPct val="120000"/>
+              </a:lnSpc>
+              <a:spcAft>
+                <a:spcPts val="600"/>
+              </a:spcAft>
+            </a:pPr>
+            <a:r>
+              <a:rPr lang="en-US" altLang="zh-CN" sz="2000" dirty="0">
                 <a:latin typeface="微软雅黑" panose="020B0503020204020204" pitchFamily="34" charset="-122"/>
                 <a:ea typeface="微软雅黑" panose="020B0503020204020204" pitchFamily="34" charset="-122"/>
               </a:rPr>
-              <a:t>增长，您同意吗？</a:t>
-            </a:r>
-            <a:r>
-              <a:rPr lang="en-US" altLang="zh-CN" sz="2400" dirty="0">
+              <a:t>       keep a sound and steady GDP increase this year? </a:t>
+            </a:r>
+            <a:br>
+              <a:rPr lang="en-US" altLang="zh-CN" sz="2000" dirty="0">
                 <a:latin typeface="微软雅黑" panose="020B0503020204020204" pitchFamily="34" charset="-122"/>
                 <a:ea typeface="微软雅黑" panose="020B0503020204020204" pitchFamily="34" charset="-122"/>
               </a:rPr>
-              <a:t> </a:t>
-            </a:r>
-            <a:br>
-              <a:rPr lang="en-US" altLang="zh-CN" sz="2400" dirty="0">
+            </a:br>
+            <a:r>
+              <a:rPr lang="zh-CN" altLang="zh-CN" sz="2000" dirty="0">
                 <a:latin typeface="微软雅黑" panose="020B0503020204020204" pitchFamily="34" charset="-122"/>
                 <a:ea typeface="微软雅黑" panose="020B0503020204020204" pitchFamily="34" charset="-122"/>
               </a:rPr>
-            </a:br>
-            <a:r>
-              <a:rPr lang="zh-CN" altLang="zh-CN" sz="2400" dirty="0">
+              <a:t>译：王教授，有报道预测中国今年将会保持健康和稳步的</a:t>
+            </a:r>
+            <a:r>
+              <a:rPr lang="en-US" altLang="zh-CN" sz="2000" dirty="0">
                 <a:latin typeface="微软雅黑" panose="020B0503020204020204" pitchFamily="34" charset="-122"/>
                 <a:ea typeface="微软雅黑" panose="020B0503020204020204" pitchFamily="34" charset="-122"/>
               </a:rPr>
-              <a:t>中：是的，</a:t>
-            </a:r>
-            <a:r>
-              <a:rPr lang="zh-CN" altLang="zh-CN" sz="2400" b="1" dirty="0">
+              <a:t>GDP</a:t>
+            </a:r>
+            <a:r>
+              <a:rPr lang="zh-CN" altLang="zh-CN" sz="2000" dirty="0">
                 <a:latin typeface="微软雅黑" panose="020B0503020204020204" pitchFamily="34" charset="-122"/>
                 <a:ea typeface="微软雅黑" panose="020B0503020204020204" pitchFamily="34" charset="-122"/>
               </a:rPr>
-              <a:t>当然</a:t>
-            </a:r>
-            <a:r>
-              <a:rPr lang="zh-CN" altLang="zh-CN" sz="2400" dirty="0">
+              <a:t>增长，您同意吗？</a:t>
+            </a:r>
+            <a:r>
+              <a:rPr lang="en-US" altLang="zh-CN" sz="2000" dirty="0">
                 <a:latin typeface="微软雅黑" panose="020B0503020204020204" pitchFamily="34" charset="-122"/>
                 <a:ea typeface="微软雅黑" panose="020B0503020204020204" pitchFamily="34" charset="-122"/>
               </a:rPr>
-              <a:t>我同意</a:t>
-            </a:r>
-            <a:r>
-              <a:rPr lang="zh-CN" altLang="zh-CN" sz="2400" b="1" dirty="0">
+              <a:t> </a:t>
+            </a:r>
+            <a:br>
+              <a:rPr lang="en-US" altLang="zh-CN" sz="2000" dirty="0">
                 <a:latin typeface="微软雅黑" panose="020B0503020204020204" pitchFamily="34" charset="-122"/>
                 <a:ea typeface="微软雅黑" panose="020B0503020204020204" pitchFamily="34" charset="-122"/>
               </a:rPr>
-              <a:t>。</a:t>
-            </a:r>
-            <a:r>
-              <a:rPr lang="zh-CN" altLang="zh-CN" sz="2400" dirty="0">
+            </a:br>
+            <a:r>
+              <a:rPr lang="zh-CN" altLang="zh-CN" sz="2000" dirty="0">
                 <a:latin typeface="微软雅黑" panose="020B0503020204020204" pitchFamily="34" charset="-122"/>
                 <a:ea typeface="微软雅黑" panose="020B0503020204020204" pitchFamily="34" charset="-122"/>
               </a:rPr>
-              <a:t>我同意报道中所提及的有关中国今年将会保持健康和稳步的</a:t>
-            </a:r>
-            <a:r>
-              <a:rPr lang="en-US" altLang="zh-CN" sz="2400" dirty="0">
+              <a:t>中：是的，</a:t>
+            </a:r>
+            <a:r>
+              <a:rPr lang="zh-CN" altLang="zh-CN" sz="2000" b="1" dirty="0">
                 <a:latin typeface="微软雅黑" panose="020B0503020204020204" pitchFamily="34" charset="-122"/>
                 <a:ea typeface="微软雅黑" panose="020B0503020204020204" pitchFamily="34" charset="-122"/>
               </a:rPr>
-              <a:t> GDP </a:t>
-            </a:r>
-            <a:r>
-              <a:rPr lang="zh-CN" altLang="zh-CN" sz="2400" dirty="0">
+              <a:t>当然</a:t>
+            </a:r>
+            <a:r>
+              <a:rPr lang="zh-CN" altLang="zh-CN" sz="2000" dirty="0">
                 <a:latin typeface="微软雅黑" panose="020B0503020204020204" pitchFamily="34" charset="-122"/>
                 <a:ea typeface="微软雅黑" panose="020B0503020204020204" pitchFamily="34" charset="-122"/>
               </a:rPr>
-              <a:t>增长的预测。</a:t>
-            </a:r>
-            <a:r>
-              <a:rPr lang="en-US" altLang="zh-CN" sz="2400" dirty="0">
+              <a:t>我同意</a:t>
+            </a:r>
+            <a:r>
+              <a:rPr lang="zh-CN" altLang="zh-CN" sz="2000" b="1" dirty="0">
                 <a:latin typeface="微软雅黑" panose="020B0503020204020204" pitchFamily="34" charset="-122"/>
                 <a:ea typeface="微软雅黑" panose="020B0503020204020204" pitchFamily="34" charset="-122"/>
               </a:rPr>
-              <a:t> </a:t>
-            </a:r>
-            <a:br>
-              <a:rPr lang="en-US" altLang="zh-CN" sz="2400" dirty="0">
+              <a:t>。</a:t>
+            </a:r>
+            <a:r>
+              <a:rPr lang="zh-CN" altLang="zh-CN" sz="2000" dirty="0">
                 <a:latin typeface="微软雅黑" panose="020B0503020204020204" pitchFamily="34" charset="-122"/>
                 <a:ea typeface="微软雅黑" panose="020B0503020204020204" pitchFamily="34" charset="-122"/>
               </a:rPr>
-            </a:br>
-            <a:r>
-              <a:rPr lang="zh-CN" altLang="zh-CN" sz="2400" dirty="0">
+              <a:t>我同意报道中所提及的有关中国今年将会保持健康和稳步的</a:t>
+            </a:r>
+            <a:r>
+              <a:rPr lang="en-US" altLang="zh-CN" sz="2000" dirty="0">
                 <a:latin typeface="微软雅黑" panose="020B0503020204020204" pitchFamily="34" charset="-122"/>
                 <a:ea typeface="微软雅黑" panose="020B0503020204020204" pitchFamily="34" charset="-122"/>
               </a:rPr>
-              <a:t>译：</a:t>
-            </a:r>
-            <a:r>
-              <a:rPr lang="en-US" altLang="zh-CN" sz="2400" dirty="0">
+              <a:t> GDP </a:t>
+            </a:r>
+          </a:p>
+          <a:p>
+            <a:pPr>
+              <a:lnSpc>
+                <a:spcPct val="120000"/>
+              </a:lnSpc>
+              <a:spcAft>
+                <a:spcPts val="600"/>
+              </a:spcAft>
+            </a:pPr>
+            <a:r>
+              <a:rPr lang="en-US" altLang="zh-CN" sz="2000" dirty="0">
                 <a:latin typeface="微软雅黑" panose="020B0503020204020204" pitchFamily="34" charset="-122"/>
                 <a:ea typeface="微软雅黑" panose="020B0503020204020204" pitchFamily="34" charset="-122"/>
               </a:rPr>
-              <a:t>Yes, </a:t>
-            </a:r>
-            <a:r>
-              <a:rPr lang="en-US" altLang="zh-CN" sz="2400" b="1" dirty="0">
+              <a:t>       </a:t>
+            </a:r>
+            <a:r>
+              <a:rPr lang="zh-CN" altLang="zh-CN" sz="2000" dirty="0">
                 <a:latin typeface="微软雅黑" panose="020B0503020204020204" pitchFamily="34" charset="-122"/>
                 <a:ea typeface="微软雅黑" panose="020B0503020204020204" pitchFamily="34" charset="-122"/>
               </a:rPr>
-              <a:t>of course </a:t>
-            </a:r>
-            <a:r>
-              <a:rPr lang="en-US" altLang="zh-CN" sz="2400" dirty="0">
+              <a:t>增长的预测。</a:t>
+            </a:r>
+            <a:r>
+              <a:rPr lang="en-US" altLang="zh-CN" sz="2000" dirty="0">
                 <a:latin typeface="微软雅黑" panose="020B0503020204020204" pitchFamily="34" charset="-122"/>
                 <a:ea typeface="微软雅黑" panose="020B0503020204020204" pitchFamily="34" charset="-122"/>
               </a:rPr>
-              <a:t>I agree</a:t>
-            </a:r>
-            <a:r>
-              <a:rPr lang="en-US" altLang="zh-CN" sz="2400" b="1" dirty="0">
+              <a:t> </a:t>
+            </a:r>
+            <a:br>
+              <a:rPr lang="en-US" altLang="zh-CN" sz="2000" dirty="0">
                 <a:latin typeface="微软雅黑" panose="020B0503020204020204" pitchFamily="34" charset="-122"/>
                 <a:ea typeface="微软雅黑" panose="020B0503020204020204" pitchFamily="34" charset="-122"/>
               </a:rPr>
-              <a:t>.</a:t>
-            </a:r>
-            <a:r>
-              <a:rPr lang="en-US" altLang="zh-CN" sz="2400" dirty="0">
+            </a:br>
+            <a:r>
+              <a:rPr lang="zh-CN" altLang="zh-CN" sz="2000" dirty="0">
                 <a:latin typeface="微软雅黑" panose="020B0503020204020204" pitchFamily="34" charset="-122"/>
                 <a:ea typeface="微软雅黑" panose="020B0503020204020204" pitchFamily="34" charset="-122"/>
               </a:rPr>
-              <a:t> I agree with the prediction that reports China will keep a sound and steady GDP increase this year.</a:t>
-            </a:r>
-            <a:endParaRPr lang="zh-CN" altLang="zh-CN" sz="2400" dirty="0">
+              <a:t>译：</a:t>
+            </a:r>
+            <a:r>
+              <a:rPr lang="en-US" altLang="zh-CN" sz="2000" dirty="0">
+                <a:latin typeface="微软雅黑" panose="020B0503020204020204" pitchFamily="34" charset="-122"/>
+                <a:ea typeface="微软雅黑" panose="020B0503020204020204" pitchFamily="34" charset="-122"/>
+              </a:rPr>
+              <a:t>Yes, </a:t>
+            </a:r>
+            <a:r>
+              <a:rPr lang="en-US" altLang="zh-CN" sz="2000" b="1" dirty="0">
+                <a:latin typeface="微软雅黑" panose="020B0503020204020204" pitchFamily="34" charset="-122"/>
+                <a:ea typeface="微软雅黑" panose="020B0503020204020204" pitchFamily="34" charset="-122"/>
+              </a:rPr>
+              <a:t>of course </a:t>
+            </a:r>
+            <a:r>
+              <a:rPr lang="en-US" altLang="zh-CN" sz="2000" dirty="0">
+                <a:latin typeface="微软雅黑" panose="020B0503020204020204" pitchFamily="34" charset="-122"/>
+                <a:ea typeface="微软雅黑" panose="020B0503020204020204" pitchFamily="34" charset="-122"/>
+              </a:rPr>
+              <a:t>I agree</a:t>
+            </a:r>
+            <a:r>
+              <a:rPr lang="en-US" altLang="zh-CN" sz="2000" b="1" dirty="0">
+                <a:latin typeface="微软雅黑" panose="020B0503020204020204" pitchFamily="34" charset="-122"/>
+                <a:ea typeface="微软雅黑" panose="020B0503020204020204" pitchFamily="34" charset="-122"/>
+              </a:rPr>
+              <a:t>.</a:t>
+            </a:r>
+            <a:r>
+              <a:rPr lang="en-US" altLang="zh-CN" sz="2000" dirty="0">
+                <a:latin typeface="微软雅黑" panose="020B0503020204020204" pitchFamily="34" charset="-122"/>
+                <a:ea typeface="微软雅黑" panose="020B0503020204020204" pitchFamily="34" charset="-122"/>
+              </a:rPr>
+              <a:t> I agree with the prediction that reports China will keep </a:t>
+            </a:r>
+          </a:p>
+          <a:p>
+            <a:pPr>
+              <a:lnSpc>
+                <a:spcPct val="120000"/>
+              </a:lnSpc>
+              <a:spcAft>
+                <a:spcPts val="600"/>
+              </a:spcAft>
+            </a:pPr>
+            <a:r>
+              <a:rPr lang="en-US" altLang="zh-CN" sz="2000" dirty="0">
+                <a:latin typeface="微软雅黑" panose="020B0503020204020204" pitchFamily="34" charset="-122"/>
+                <a:ea typeface="微软雅黑" panose="020B0503020204020204" pitchFamily="34" charset="-122"/>
+              </a:rPr>
+              <a:t>       a sound and steady GDP increase this year.</a:t>
+            </a:r>
+            <a:endParaRPr lang="zh-CN" altLang="zh-CN" sz="2000" dirty="0">
               <a:latin typeface="微软雅黑" panose="020B0503020204020204" pitchFamily="34" charset="-122"/>
               <a:ea typeface="微软雅黑" panose="020B0503020204020204" pitchFamily="34" charset="-122"/>
             </a:endParaRPr>
@@ -25060,6 +25434,22 @@
                 <a:spcPct val="125000"/>
               </a:lnSpc>
             </a:pPr>
+            <a:r>
+              <a:rPr lang="zh-CN" altLang="en-US" dirty="0"/>
+              <a:t>        更好的译法：</a:t>
+            </a:r>
+            <a:r>
+              <a:rPr lang="zh-CN" altLang="zh-CN" dirty="0"/>
+              <a:t> “</a:t>
+            </a:r>
+            <a:r>
+              <a:rPr lang="en-US" altLang="zh-CN" dirty="0"/>
+              <a:t>I couldn’t agree more</a:t>
+            </a:r>
+            <a:r>
+              <a:rPr lang="zh-CN" altLang="zh-CN" dirty="0"/>
+              <a:t>”</a:t>
+            </a:r>
             <a:endParaRPr lang="zh-CN" altLang="en-US" dirty="0"/>
           </a:p>
         </p:txBody>
@@ -25067,13 +25457,104 @@
     </p:spTree>
     <p:extLst>
       <p:ext uri="{BB962C8B-B14F-4D97-AF65-F5344CB8AC3E}">
-        <p14:creationId xmlns:p14="http://schemas.microsoft.com/office/powerpoint/2010/main" val="3280389970"/>
+        <p14:creationId xmlns:p14="http://schemas.microsoft.com/office/powerpoint/2010/main" val="3768828724"/>
       </p:ext>
     </p:extLst>
   </p:cSld>
   <p:clrMapOvr>
     <a:masterClrMapping/>
   </p:clrMapOvr>
+  <p:timing>
+    <p:tnLst>
+      <p:par>
+        <p:cTn id="1" dur="indefinite" restart="never" nodeType="tmRoot">
+          <p:childTnLst>
+            <p:seq concurrent="1" nextAc="seek">
+              <p:cTn id="2" dur="indefinite" nodeType="mainSeq">
+                <p:childTnLst>
+                  <p:par>
+                    <p:cTn id="3" fill="hold">
+                      <p:stCondLst>
+                        <p:cond delay="indefinite"/>
+                      </p:stCondLst>
+                      <p:childTnLst>
+                        <p:par>
+                          <p:cTn id="4" fill="hold">
+                            <p:stCondLst>
+                              <p:cond delay="0"/>
+                            </p:stCondLst>
+                            <p:childTnLst>
+                              <p:par>
+                                <p:cTn id="5" presetID="10" presetClass="entr" presetSubtype="0" fill="hold" nodeType="clickEffect">
+                                  <p:stCondLst>
+                                    <p:cond delay="0"/>
+                                  </p:stCondLst>
+                                  <p:childTnLst>
+                                    <p:set>
+                                      <p:cBhvr>
+                                        <p:cTn id="6" dur="1" fill="hold">
+                                          <p:stCondLst>
+                                            <p:cond delay="0"/>
+                                          </p:stCondLst>
+                                        </p:cTn>
+                                        <p:tgtEl>
+                                          <p:spTgt spid="8">
+                                            <p:txEl>
+                                              <p:pRg st="7" end="7"/>
+                                            </p:txEl>
+                                          </p:spTgt>
+                                        </p:tgtEl>
+                                        <p:attrNameLst>
+                                          <p:attrName>style.visibility</p:attrName>
+                                        </p:attrNameLst>
+                                      </p:cBhvr>
+                                      <p:to>
+                                        <p:strVal val="visible"/>
+                                      </p:to>
+                                    </p:set>
+                                    <p:animEffect transition="in" filter="fade">
+                                      <p:cBhvr>
+                                        <p:cTn id="7" dur="500"/>
+                                        <p:tgtEl>
+                                          <p:spTgt spid="8">
+                                            <p:txEl>
+                                              <p:pRg st="7" end="7"/>
+                                            </p:txEl>
+                                          </p:spTgt>
+                                        </p:tgtEl>
+                                      </p:cBhvr>
+                                    </p:animEffect>
+                                  </p:childTnLst>
+                                </p:cTn>
+                              </p:par>
+                            </p:childTnLst>
+                          </p:cTn>
+                        </p:par>
+                      </p:childTnLst>
+                    </p:cTn>
+                  </p:par>
+                </p:childTnLst>
+              </p:cTn>
+              <p:prevCondLst>
+                <p:cond evt="onPrev" delay="0">
+                  <p:tgtEl>
+                    <p:sldTgt/>
+                  </p:tgtEl>
+                </p:cond>
+              </p:prevCondLst>
+              <p:nextCondLst>
+                <p:cond evt="onNext" delay="0">
+                  <p:tgtEl>
+                    <p:sldTgt/>
+                  </p:tgtEl>
+                </p:cond>
+              </p:nextCondLst>
+            </p:seq>
+          </p:childTnLst>
+        </p:cTn>
+      </p:par>
+    </p:tnLst>
+  </p:timing>
 </p:sld>
 </file>
 
@@ -25342,7 +25823,7 @@
         <p:spPr>
           <a:xfrm>
             <a:off x="1247154" y="1642983"/>
-            <a:ext cx="9549183" cy="2537361"/>
+            <a:ext cx="9549183" cy="3299108"/>
           </a:xfrm>
           <a:prstGeom prst="rect">
             <a:avLst/>
@@ -25359,6 +25840,9 @@
               <a:lnSpc>
                 <a:spcPct val="150000"/>
               </a:lnSpc>
+              <a:spcAft>
+                <a:spcPts val="900"/>
+              </a:spcAft>
             </a:pPr>
             <a:r>
               <a:rPr lang="en-US" altLang="zh-CN" sz="2800" b="1" dirty="0">
@@ -25380,12 +25864,67 @@
             </a:endParaRPr>
           </a:p>
           <a:p>
+            <a:pPr>
+              <a:spcAft>
+                <a:spcPts val="900"/>
+              </a:spcAft>
+            </a:pPr>
+            <a:r>
+              <a:rPr lang="en-US" altLang="zh-CN" sz="2400" dirty="0">
+                <a:latin typeface="微软雅黑" panose="020B0503020204020204" pitchFamily="34" charset="-122"/>
+                <a:ea typeface="微软雅黑" panose="020B0503020204020204" pitchFamily="34" charset="-122"/>
+              </a:rPr>
+              <a:t>	</a:t>
+            </a:r>
+            <a:r>
+              <a:rPr lang="zh-CN" altLang="en-US" sz="2400" dirty="0">
+                <a:latin typeface="微软雅黑" panose="020B0503020204020204" pitchFamily="34" charset="-122"/>
+                <a:ea typeface="微软雅黑" panose="020B0503020204020204" pitchFamily="34" charset="-122"/>
+              </a:rPr>
+              <a:t>示例二</a:t>
+            </a:r>
             <a:r>
               <a:rPr lang="zh-CN" altLang="zh-CN" sz="2400" dirty="0">
                 <a:latin typeface="微软雅黑" panose="020B0503020204020204" pitchFamily="34" charset="-122"/>
                 <a:ea typeface="微软雅黑" panose="020B0503020204020204" pitchFamily="34" charset="-122"/>
               </a:rPr>
               <a:t>【语境：译员在中方迎接外方的商务考察中】</a:t>
+            </a:r>
+            <a:r>
+              <a:rPr lang="en-US" altLang="zh-CN" sz="2400" dirty="0">
+                <a:latin typeface="微软雅黑" panose="020B0503020204020204" pitchFamily="34" charset="-122"/>
+                <a:ea typeface="微软雅黑" panose="020B0503020204020204" pitchFamily="34" charset="-122"/>
+              </a:rPr>
+              <a:t> </a:t>
+            </a:r>
+          </a:p>
+          <a:p>
+            <a:br>
+              <a:rPr lang="en-US" altLang="zh-CN" sz="1200" dirty="0">
+                <a:latin typeface="微软雅黑" panose="020B0503020204020204" pitchFamily="34" charset="-122"/>
+                <a:ea typeface="微软雅黑" panose="020B0503020204020204" pitchFamily="34" charset="-122"/>
+              </a:rPr>
+            </a:br>
+            <a:r>
+              <a:rPr lang="zh-CN" altLang="zh-CN" sz="2400" dirty="0">
+                <a:latin typeface="微软雅黑" panose="020B0503020204020204" pitchFamily="34" charset="-122"/>
+                <a:ea typeface="微软雅黑" panose="020B0503020204020204" pitchFamily="34" charset="-122"/>
+              </a:rPr>
+              <a:t>中：感谢各位专程远道来我公司考察，</a:t>
+            </a:r>
+            <a:r>
+              <a:rPr lang="zh-CN" altLang="zh-CN" sz="2400" b="1" dirty="0">
+                <a:latin typeface="微软雅黑" panose="020B0503020204020204" pitchFamily="34" charset="-122"/>
+                <a:ea typeface="微软雅黑" panose="020B0503020204020204" pitchFamily="34" charset="-122"/>
+              </a:rPr>
+              <a:t>恐怕</a:t>
+            </a:r>
+            <a:r>
+              <a:rPr lang="zh-CN" altLang="zh-CN" sz="2400" dirty="0">
+                <a:latin typeface="微软雅黑" panose="020B0503020204020204" pitchFamily="34" charset="-122"/>
+                <a:ea typeface="微软雅黑" panose="020B0503020204020204" pitchFamily="34" charset="-122"/>
+              </a:rPr>
+              <a:t>您们一定一路辛苦了。</a:t>
             </a:r>
             <a:r>
               <a:rPr lang="en-US" altLang="zh-CN" sz="2400" dirty="0">
@@ -25405,55 +25944,23 @@
                 <a:latin typeface="微软雅黑" panose="020B0503020204020204" pitchFamily="34" charset="-122"/>
                 <a:ea typeface="微软雅黑" panose="020B0503020204020204" pitchFamily="34" charset="-122"/>
               </a:rPr>
-              <a:t>中：感谢各位专程远道来我公司考察，</a:t>
-            </a:r>
-            <a:r>
-              <a:rPr lang="zh-CN" altLang="zh-CN" sz="2400" b="1" dirty="0">
-                <a:latin typeface="微软雅黑" panose="020B0503020204020204" pitchFamily="34" charset="-122"/>
-                <a:ea typeface="微软雅黑" panose="020B0503020204020204" pitchFamily="34" charset="-122"/>
-              </a:rPr>
-              <a:t>恐怕</a:t>
-            </a:r>
-            <a:r>
-              <a:rPr lang="zh-CN" altLang="zh-CN" sz="2400" dirty="0">
-                <a:latin typeface="微软雅黑" panose="020B0503020204020204" pitchFamily="34" charset="-122"/>
-                <a:ea typeface="微软雅黑" panose="020B0503020204020204" pitchFamily="34" charset="-122"/>
-              </a:rPr>
-              <a:t>您们一定一路辛苦了。</a:t>
+              <a:t>译：</a:t>
             </a:r>
             <a:r>
               <a:rPr lang="en-US" altLang="zh-CN" sz="2400" dirty="0">
                 <a:latin typeface="微软雅黑" panose="020B0503020204020204" pitchFamily="34" charset="-122"/>
                 <a:ea typeface="微软雅黑" panose="020B0503020204020204" pitchFamily="34" charset="-122"/>
               </a:rPr>
-              <a:t> </a:t>
-            </a:r>
-            <a:br>
-              <a:rPr lang="en-US" altLang="zh-CN" sz="2400" dirty="0">
-                <a:latin typeface="微软雅黑" panose="020B0503020204020204" pitchFamily="34" charset="-122"/>
-                <a:ea typeface="微软雅黑" panose="020B0503020204020204" pitchFamily="34" charset="-122"/>
-              </a:rPr>
-            </a:br>
-            <a:r>
-              <a:rPr lang="zh-CN" altLang="zh-CN" sz="2400" dirty="0">
-                <a:latin typeface="微软雅黑" panose="020B0503020204020204" pitchFamily="34" charset="-122"/>
-                <a:ea typeface="微软雅黑" panose="020B0503020204020204" pitchFamily="34" charset="-122"/>
-              </a:rPr>
-              <a:t>译：</a:t>
-            </a:r>
-            <a:r>
-              <a:rPr lang="en-US" altLang="zh-CN" sz="2400" dirty="0">
-                <a:latin typeface="微软雅黑" panose="020B0503020204020204" pitchFamily="34" charset="-122"/>
-                <a:ea typeface="微软雅黑" panose="020B0503020204020204" pitchFamily="34" charset="-122"/>
-              </a:rPr>
               <a:t>Thank you for your coming all the way to our company. </a:t>
             </a:r>
+          </a:p>
+          <a:p>
             <a:r>
               <a:rPr lang="en-US" altLang="zh-CN" sz="2400" b="1" dirty="0">
                 <a:latin typeface="微软雅黑" panose="020B0503020204020204" pitchFamily="34" charset="-122"/>
                 <a:ea typeface="微软雅黑" panose="020B0503020204020204" pitchFamily="34" charset="-122"/>
               </a:rPr>
-              <a:t>I’m afraid</a:t>
+              <a:t>       I’m afraid</a:t>
             </a:r>
             <a:r>
               <a:rPr lang="en-US" altLang="zh-CN" sz="2400" dirty="0">
@@ -25473,6 +25980,30 @@
                 <a:spcPct val="125000"/>
               </a:lnSpc>
             </a:pPr>
+            <a:endParaRPr lang="en-US" altLang="zh-CN" dirty="0"/>
+          </a:p>
+          <a:p>
+            <a:pPr>
+              <a:lnSpc>
+                <a:spcPct val="125000"/>
+              </a:lnSpc>
+            </a:pPr>
+            <a:r>
+              <a:rPr lang="zh-CN" altLang="en-US" dirty="0"/>
+              <a:t>          更好的译法：</a:t>
+            </a:r>
+            <a:r>
+              <a:rPr lang="zh-CN" altLang="zh-CN" dirty="0"/>
+              <a:t>“</a:t>
+            </a:r>
+            <a:r>
+              <a:rPr lang="en-US" altLang="zh-CN" dirty="0"/>
+              <a:t>You might as well have a break after having a tiring journey.</a:t>
+            </a:r>
+            <a:r>
+              <a:rPr lang="zh-CN" altLang="zh-CN" dirty="0"/>
+              <a:t>”</a:t>
+            </a:r>
             <a:endParaRPr lang="zh-CN" altLang="en-US" dirty="0"/>
           </a:p>
         </p:txBody>
@@ -25480,13 +26011,104 @@
     </p:spTree>
     <p:extLst>
       <p:ext uri="{BB962C8B-B14F-4D97-AF65-F5344CB8AC3E}">
-        <p14:creationId xmlns:p14="http://schemas.microsoft.com/office/powerpoint/2010/main" val="408332798"/>
+        <p14:creationId xmlns:p14="http://schemas.microsoft.com/office/powerpoint/2010/main" val="4071540384"/>
       </p:ext>
     </p:extLst>
   </p:cSld>
   <p:clrMapOvr>
     <a:masterClrMapping/>
   </p:clrMapOvr>
+  <p:timing>
+    <p:tnLst>
+      <p:par>
+        <p:cTn id="1" dur="indefinite" restart="never" nodeType="tmRoot">
+          <p:childTnLst>
+            <p:seq concurrent="1" nextAc="seek">
+              <p:cTn id="2" dur="indefinite" nodeType="mainSeq">
+                <p:childTnLst>
+                  <p:par>
+                    <p:cTn id="3" fill="hold">
+                      <p:stCondLst>
+                        <p:cond delay="indefinite"/>
+                      </p:stCondLst>
+                      <p:childTnLst>
+                        <p:par>
+                          <p:cTn id="4" fill="hold">
+                            <p:stCondLst>
+                              <p:cond delay="0"/>
+                            </p:stCondLst>
+                            <p:childTnLst>
+                              <p:par>
+                                <p:cTn id="5" presetID="10" presetClass="entr" presetSubtype="0" fill="hold" nodeType="clickEffect">
+                                  <p:stCondLst>
+                                    <p:cond delay="0"/>
+                                  </p:stCondLst>
+                                  <p:childTnLst>
+                                    <p:set>
+                                      <p:cBhvr>
+                                        <p:cTn id="6" dur="1" fill="hold">
+                                          <p:stCondLst>
+                                            <p:cond delay="0"/>
+                                          </p:stCondLst>
+                                        </p:cTn>
+                                        <p:tgtEl>
+                                          <p:spTgt spid="8">
+                                            <p:txEl>
+                                              <p:pRg st="5" end="5"/>
+                                            </p:txEl>
+                                          </p:spTgt>
+                                        </p:tgtEl>
+                                        <p:attrNameLst>
+                                          <p:attrName>style.visibility</p:attrName>
+                                        </p:attrNameLst>
+                                      </p:cBhvr>
+                                      <p:to>
+                                        <p:strVal val="visible"/>
+                                      </p:to>
+                                    </p:set>
+                                    <p:animEffect transition="in" filter="fade">
+                                      <p:cBhvr>
+                                        <p:cTn id="7" dur="500"/>
+                                        <p:tgtEl>
+                                          <p:spTgt spid="8">
+                                            <p:txEl>
+                                              <p:pRg st="5" end="5"/>
+                                            </p:txEl>
+                                          </p:spTgt>
+                                        </p:tgtEl>
+                                      </p:cBhvr>
+                                    </p:animEffect>
+                                  </p:childTnLst>
+                                </p:cTn>
+                              </p:par>
+                            </p:childTnLst>
+                          </p:cTn>
+                        </p:par>
+                      </p:childTnLst>
+                    </p:cTn>
+                  </p:par>
+                </p:childTnLst>
+              </p:cTn>
+              <p:prevCondLst>
+                <p:cond evt="onPrev" delay="0">
+                  <p:tgtEl>
+                    <p:sldTgt/>
+                  </p:tgtEl>
+                </p:cond>
+              </p:prevCondLst>
+              <p:nextCondLst>
+                <p:cond evt="onNext" delay="0">
+                  <p:tgtEl>
+                    <p:sldTgt/>
+                  </p:tgtEl>
+                </p:cond>
+              </p:nextCondLst>
+            </p:seq>
+          </p:childTnLst>
+        </p:cTn>
+      </p:par>
+    </p:tnLst>
+  </p:timing>
 </p:sld>
 </file>
 
@@ -29286,6 +29908,50 @@
           </a:fontRef>
         </p:style>
       </p:cxnSp>
+      <p:cxnSp>
+        <p:nvCxnSpPr>
+          <p:cNvPr id="23" name="直接箭头连接符 22">
+            <a:extLst>
+              <a:ext uri="{FF2B5EF4-FFF2-40B4-BE49-F238E27FC236}">
+                <a16:creationId xmlns:a16="http://schemas.microsoft.com/office/drawing/2014/main" id="{0EE103A5-3283-4E8A-B150-A98A97DD456D}"/>
+              </a:ext>
+            </a:extLst>
+          </p:cNvPr>
+          <p:cNvCxnSpPr/>
+          <p:nvPr/>
+        </p:nvCxnSpPr>
+        <p:spPr>
+          <a:xfrm>
+            <a:off x="6076244" y="1621887"/>
+            <a:ext cx="0" cy="389900"/>
+          </a:xfrm>
+          <a:prstGeom prst="straightConnector1">
+            <a:avLst/>
+          </a:prstGeom>
+          <a:ln w="28575">
+            <a:solidFill>
+              <a:schemeClr val="accent1">
+                <a:lumMod val="50000"/>
+              </a:schemeClr>
+            </a:solidFill>
+            <a:tailEnd type="triangle"/>
+          </a:ln>
+        </p:spPr>
+        <p:style>
+          <a:lnRef idx="1">
+            <a:schemeClr val="accent1"/>
+          </a:lnRef>
+          <a:fillRef idx="0">
+            <a:schemeClr val="accent1"/>
+          </a:fillRef>
+          <a:effectRef idx="0">
+            <a:schemeClr val="accent1"/>
+          </a:effectRef>
+          <a:fontRef idx="minor">
+            <a:schemeClr val="tx1"/>
+          </a:fontRef>
+        </p:style>
+      </p:cxnSp>
     </p:spTree>
     <p:extLst>
       <p:ext uri="{BB962C8B-B14F-4D97-AF65-F5344CB8AC3E}">
@@ -33938,7 +34604,7 @@
                 <a:latin typeface="方正兰亭大黑简体" panose="02000000000000000000" pitchFamily="2" charset="-122"/>
                 <a:ea typeface="方正兰亭大黑简体" panose="02000000000000000000" pitchFamily="2" charset="-122"/>
               </a:rPr>
-              <a:t>亚句级翻译单元分类</a:t>
+              <a:t>翻译单元的概念和分类</a:t>
             </a:r>
           </a:p>
         </p:txBody>
@@ -35064,6 +35730,13 @@
           </a:p>
           <a:p>
             <a:r>
+              <a:rPr lang="zh-CN" altLang="en-US" sz="2000" dirty="0">
+                <a:latin typeface="微软雅黑" panose="020B0503020204020204" pitchFamily="34" charset="-122"/>
+                <a:ea typeface="微软雅黑" panose="020B0503020204020204" pitchFamily="34" charset="-122"/>
+              </a:rPr>
+              <a:t>实例：</a:t>
+            </a:r>
+            <a:r>
               <a:rPr lang="en-US" altLang="zh-CN" sz="2000" dirty="0">
                 <a:latin typeface="微软雅黑" panose="020B0503020204020204" pitchFamily="34" charset="-122"/>
                 <a:ea typeface="微软雅黑" panose="020B0503020204020204" pitchFamily="34" charset="-122"/>
@@ -35077,7 +35750,7 @@
                 <a:latin typeface="微软雅黑" panose="020B0503020204020204" pitchFamily="34" charset="-122"/>
                 <a:ea typeface="微软雅黑" panose="020B0503020204020204" pitchFamily="34" charset="-122"/>
               </a:rPr>
-              <a:t>什么我想从你是毅力和勇气。</a:t>
+              <a:t>误译：什么我想从你是毅力和勇气。</a:t>
             </a:r>
             <a:endParaRPr lang="en-US" altLang="zh-CN" sz="2000" dirty="0">
               <a:latin typeface="微软雅黑" panose="020B0503020204020204" pitchFamily="34" charset="-122"/>
@@ -35090,7 +35763,7 @@
                 <a:latin typeface="微软雅黑" panose="020B0503020204020204" pitchFamily="34" charset="-122"/>
                 <a:ea typeface="微软雅黑" panose="020B0503020204020204" pitchFamily="34" charset="-122"/>
               </a:rPr>
-              <a:t>我想从你那里得到的是爱和尊重</a:t>
+              <a:t>正译：我想从你那里得到的是爱和尊重</a:t>
             </a:r>
             <a:endParaRPr lang="en-US" altLang="zh-CN" sz="2000" dirty="0">
               <a:latin typeface="微软雅黑" panose="020B0503020204020204" pitchFamily="34" charset="-122"/>
